--- a/materialer/tabsfunktioner/images/kort_fortalt.pptx
+++ b/materialer/tabsfunktioner/images/kort_fortalt.pptx
@@ -1544,7 +1544,7 @@
           <a:p>
             <a:fld id="{D0CA0828-3AEB-4704-8A2E-71AD2A1D5821}" type="datetimeFigureOut">
               <a:rPr lang="da-DK" smtClean="0"/>
-              <a:t>03-12-2024</a:t>
+              <a:t>10-12-2024</a:t>
             </a:fld>
             <a:endParaRPr lang="da-DK"/>
           </a:p>
@@ -1763,7 +1763,7 @@
           <a:p>
             <a:fld id="{D0CA0828-3AEB-4704-8A2E-71AD2A1D5821}" type="datetimeFigureOut">
               <a:rPr lang="da-DK" smtClean="0"/>
-              <a:t>03-12-2024</a:t>
+              <a:t>10-12-2024</a:t>
             </a:fld>
             <a:endParaRPr lang="da-DK"/>
           </a:p>
@@ -2054,7 +2054,7 @@
           <a:p>
             <a:fld id="{D0CA0828-3AEB-4704-8A2E-71AD2A1D5821}" type="datetimeFigureOut">
               <a:rPr lang="da-DK" smtClean="0"/>
-              <a:t>03-12-2024</a:t>
+              <a:t>10-12-2024</a:t>
             </a:fld>
             <a:endParaRPr lang="da-DK"/>
           </a:p>
@@ -2357,7 +2357,7 @@
           <a:p>
             <a:fld id="{D0CA0828-3AEB-4704-8A2E-71AD2A1D5821}" type="datetimeFigureOut">
               <a:rPr lang="da-DK" smtClean="0"/>
-              <a:t>03-12-2024</a:t>
+              <a:t>10-12-2024</a:t>
             </a:fld>
             <a:endParaRPr lang="da-DK"/>
           </a:p>
@@ -2945,8 +2945,8 @@
           </p:sp>
         </mc:Fallback>
       </mc:AlternateContent>
-      <mc:AlternateContent xmlns:mc="http://schemas.openxmlformats.org/markup-compatibility/2006" xmlns:a14="http://schemas.microsoft.com/office/drawing/2010/main">
-        <mc:Choice Requires="a14">
+      <mc:AlternateContent xmlns:mc="http://schemas.openxmlformats.org/markup-compatibility/2006">
+        <mc:Choice xmlns:a14="http://schemas.microsoft.com/office/drawing/2010/main" Requires="a14">
           <p:sp>
             <p:nvSpPr>
               <p:cNvPr id="6" name="Rektangel: afrundede hjørner 5">
@@ -3214,13 +3214,13 @@
               <a:p>
                 <a:r>
                   <a:rPr lang="da-DK" sz="2400" dirty="0"/>
-                  <a:t>Giver den prædikterede sandsynlighed for om en ny patient har kræft eller ej</a:t>
+                  <a:t>Giver den prædikterede sandsynlighed for, om en ny patient har kræft eller ej</a:t>
                 </a:r>
               </a:p>
             </p:txBody>
           </p:sp>
         </mc:Choice>
-        <mc:Fallback xmlns="">
+        <mc:Fallback>
           <p:sp>
             <p:nvSpPr>
               <p:cNvPr id="6" name="Rektangel: afrundede hjørner 5">
@@ -3265,8 +3265,8 @@
           </p:sp>
         </mc:Fallback>
       </mc:AlternateContent>
-      <mc:AlternateContent xmlns:mc="http://schemas.openxmlformats.org/markup-compatibility/2006">
-        <mc:Choice xmlns:a14="http://schemas.microsoft.com/office/drawing/2010/main" Requires="a14">
+      <mc:AlternateContent xmlns:mc="http://schemas.openxmlformats.org/markup-compatibility/2006" xmlns:a14="http://schemas.microsoft.com/office/drawing/2010/main">
+        <mc:Choice Requires="a14">
           <p:sp>
             <p:nvSpPr>
               <p:cNvPr id="2" name="Rektangel: afrundede hjørner 1">
@@ -3447,7 +3447,7 @@
             </p:txBody>
           </p:sp>
         </mc:Choice>
-        <mc:Fallback>
+        <mc:Fallback xmlns="">
           <p:sp>
             <p:nvSpPr>
               <p:cNvPr id="2" name="Rektangel: afrundede hjørner 1">
@@ -3539,8 +3539,8 @@
           </a:p>
         </p:txBody>
       </p:sp>
-      <mc:AlternateContent xmlns:mc="http://schemas.openxmlformats.org/markup-compatibility/2006" xmlns:a14="http://schemas.microsoft.com/office/drawing/2010/main">
-        <mc:Choice Requires="a14">
+      <mc:AlternateContent xmlns:mc="http://schemas.openxmlformats.org/markup-compatibility/2006">
+        <mc:Choice xmlns:a14="http://schemas.microsoft.com/office/drawing/2010/main" Requires="a14">
           <p:sp>
             <p:nvSpPr>
               <p:cNvPr id="8" name="Sky 7">
@@ -3727,7 +3727,7 @@
                       <a:schemeClr val="tx1"/>
                     </a:solidFill>
                   </a:rPr>
-                  <a:t> så den beregnede outputværdi </a:t>
+                  <a:t>, så den beregnede outputværdi </a:t>
                 </a:r>
                 <a14:m>
                   <m:oMath xmlns:m="http://schemas.openxmlformats.org/officeDocument/2006/math">
@@ -3791,7 +3791,7 @@
             </p:txBody>
           </p:sp>
         </mc:Choice>
-        <mc:Fallback xmlns="">
+        <mc:Fallback>
           <p:sp>
             <p:nvSpPr>
               <p:cNvPr id="8" name="Sky 7">
